--- a/Doc/参考文档/生成cfg相关文档/转化过程总结 ： cfg 转化过程.pptx
+++ b/Doc/参考文档/生成cfg相关文档/转化过程总结 ： cfg 转化过程.pptx
@@ -12,6 +12,12 @@
     <p:sldId id="260" r:id="rId6"/>
     <p:sldId id="261" r:id="rId7"/>
     <p:sldId id="262" r:id="rId8"/>
+    <p:sldId id="263" r:id="rId9"/>
+    <p:sldId id="264" r:id="rId10"/>
+    <p:sldId id="265" r:id="rId11"/>
+    <p:sldId id="266" r:id="rId12"/>
+    <p:sldId id="267" r:id="rId13"/>
+    <p:sldId id="268" r:id="rId14"/>
   </p:sldIdLst>
   <p:sldSz cx="9144000" cy="6858000" type="screen4x3"/>
   <p:notesSz cx="6858000" cy="9144000"/>
@@ -308,7 +314,7 @@
           <a:p>
             <a:fld id="{530820CF-B880-4189-942D-D702A7CBA730}" type="datetimeFigureOut">
               <a:rPr lang="zh-CN" altLang="en-US" smtClean="0"/>
-              <a:t>2018/9/28</a:t>
+              <a:t>2018/10/16</a:t>
             </a:fld>
             <a:endParaRPr lang="zh-CN" altLang="en-US"/>
           </a:p>
@@ -471,7 +477,7 @@
           <a:p>
             <a:fld id="{530820CF-B880-4189-942D-D702A7CBA730}" type="datetimeFigureOut">
               <a:rPr lang="zh-CN" altLang="en-US" smtClean="0"/>
-              <a:t>2018/9/28</a:t>
+              <a:t>2018/10/16</a:t>
             </a:fld>
             <a:endParaRPr lang="zh-CN" altLang="en-US"/>
           </a:p>
@@ -644,7 +650,7 @@
           <a:p>
             <a:fld id="{530820CF-B880-4189-942D-D702A7CBA730}" type="datetimeFigureOut">
               <a:rPr lang="zh-CN" altLang="en-US" smtClean="0"/>
-              <a:t>2018/9/28</a:t>
+              <a:t>2018/10/16</a:t>
             </a:fld>
             <a:endParaRPr lang="zh-CN" altLang="en-US"/>
           </a:p>
@@ -807,7 +813,7 @@
           <a:p>
             <a:fld id="{530820CF-B880-4189-942D-D702A7CBA730}" type="datetimeFigureOut">
               <a:rPr lang="zh-CN" altLang="en-US" smtClean="0"/>
-              <a:t>2018/9/28</a:t>
+              <a:t>2018/10/16</a:t>
             </a:fld>
             <a:endParaRPr lang="zh-CN" altLang="en-US"/>
           </a:p>
@@ -1047,7 +1053,7 @@
           <a:p>
             <a:fld id="{530820CF-B880-4189-942D-D702A7CBA730}" type="datetimeFigureOut">
               <a:rPr lang="zh-CN" altLang="en-US" smtClean="0"/>
-              <a:t>2018/9/28</a:t>
+              <a:t>2018/10/16</a:t>
             </a:fld>
             <a:endParaRPr lang="zh-CN" altLang="en-US"/>
           </a:p>
@@ -1327,7 +1333,7 @@
           <a:p>
             <a:fld id="{530820CF-B880-4189-942D-D702A7CBA730}" type="datetimeFigureOut">
               <a:rPr lang="zh-CN" altLang="en-US" smtClean="0"/>
-              <a:t>2018/9/28</a:t>
+              <a:t>2018/10/16</a:t>
             </a:fld>
             <a:endParaRPr lang="zh-CN" altLang="en-US"/>
           </a:p>
@@ -1741,7 +1747,7 @@
           <a:p>
             <a:fld id="{530820CF-B880-4189-942D-D702A7CBA730}" type="datetimeFigureOut">
               <a:rPr lang="zh-CN" altLang="en-US" smtClean="0"/>
-              <a:t>2018/9/28</a:t>
+              <a:t>2018/10/16</a:t>
             </a:fld>
             <a:endParaRPr lang="zh-CN" altLang="en-US"/>
           </a:p>
@@ -1853,7 +1859,7 @@
           <a:p>
             <a:fld id="{530820CF-B880-4189-942D-D702A7CBA730}" type="datetimeFigureOut">
               <a:rPr lang="zh-CN" altLang="en-US" smtClean="0"/>
-              <a:t>2018/9/28</a:t>
+              <a:t>2018/10/16</a:t>
             </a:fld>
             <a:endParaRPr lang="zh-CN" altLang="en-US"/>
           </a:p>
@@ -1943,7 +1949,7 @@
           <a:p>
             <a:fld id="{530820CF-B880-4189-942D-D702A7CBA730}" type="datetimeFigureOut">
               <a:rPr lang="zh-CN" altLang="en-US" smtClean="0"/>
-              <a:t>2018/9/28</a:t>
+              <a:t>2018/10/16</a:t>
             </a:fld>
             <a:endParaRPr lang="zh-CN" altLang="en-US"/>
           </a:p>
@@ -2213,7 +2219,7 @@
           <a:p>
             <a:fld id="{530820CF-B880-4189-942D-D702A7CBA730}" type="datetimeFigureOut">
               <a:rPr lang="zh-CN" altLang="en-US" smtClean="0"/>
-              <a:t>2018/9/28</a:t>
+              <a:t>2018/10/16</a:t>
             </a:fld>
             <a:endParaRPr lang="zh-CN" altLang="en-US"/>
           </a:p>
@@ -2460,7 +2466,7 @@
           <a:p>
             <a:fld id="{530820CF-B880-4189-942D-D702A7CBA730}" type="datetimeFigureOut">
               <a:rPr lang="zh-CN" altLang="en-US" smtClean="0"/>
-              <a:t>2018/9/28</a:t>
+              <a:t>2018/10/16</a:t>
             </a:fld>
             <a:endParaRPr lang="zh-CN" altLang="en-US"/>
           </a:p>
@@ -2666,7 +2672,7 @@
           <a:p>
             <a:fld id="{530820CF-B880-4189-942D-D702A7CBA730}" type="datetimeFigureOut">
               <a:rPr lang="zh-CN" altLang="en-US" smtClean="0"/>
-              <a:t>2018/9/28</a:t>
+              <a:t>2018/10/16</a:t>
             </a:fld>
             <a:endParaRPr lang="zh-CN" altLang="en-US"/>
           </a:p>
@@ -3119,6 +3125,855 @@
 </p:sld>
 </file>
 
+<file path=ppt/slides/slide10.xml><?xml version="1.0" encoding="utf-8"?>
+<p:sld xmlns:a="http://schemas.openxmlformats.org/drawingml/2006/main" xmlns:r="http://schemas.openxmlformats.org/officeDocument/2006/relationships" xmlns:p="http://schemas.openxmlformats.org/presentationml/2006/main">
+  <p:cSld>
+    <p:spTree>
+      <p:nvGrpSpPr>
+        <p:cNvPr id="1" name=""/>
+        <p:cNvGrpSpPr/>
+        <p:nvPr/>
+      </p:nvGrpSpPr>
+      <p:grpSpPr>
+        <a:xfrm>
+          <a:off x="0" y="0"/>
+          <a:ext cx="0" cy="0"/>
+          <a:chOff x="0" y="0"/>
+          <a:chExt cx="0" cy="0"/>
+        </a:xfrm>
+      </p:grpSpPr>
+      <p:sp>
+        <p:nvSpPr>
+          <p:cNvPr id="2" name="标题 1">
+            <a:extLst>
+              <a:ext uri="{FF2B5EF4-FFF2-40B4-BE49-F238E27FC236}">
+                <a16:creationId xmlns:a16="http://schemas.microsoft.com/office/drawing/2014/main" id="{C209F5D4-0056-43A8-90AC-5B68A5329364}"/>
+              </a:ext>
+            </a:extLst>
+          </p:cNvPr>
+          <p:cNvSpPr>
+            <a:spLocks noGrp="1"/>
+          </p:cNvSpPr>
+          <p:nvPr>
+            <p:ph type="title"/>
+          </p:nvPr>
+        </p:nvSpPr>
+        <p:spPr/>
+        <p:txBody>
+          <a:bodyPr/>
+          <a:lstStyle/>
+          <a:p>
+            <a:endParaRPr lang="zh-CN" altLang="en-US"/>
+          </a:p>
+        </p:txBody>
+      </p:sp>
+      <p:sp>
+        <p:nvSpPr>
+          <p:cNvPr id="3" name="内容占位符 2">
+            <a:extLst>
+              <a:ext uri="{FF2B5EF4-FFF2-40B4-BE49-F238E27FC236}">
+                <a16:creationId xmlns:a16="http://schemas.microsoft.com/office/drawing/2014/main" id="{138A919D-5589-4E45-A315-F46ABED6C2D7}"/>
+              </a:ext>
+            </a:extLst>
+          </p:cNvPr>
+          <p:cNvSpPr>
+            <a:spLocks noGrp="1"/>
+          </p:cNvSpPr>
+          <p:nvPr>
+            <p:ph idx="1"/>
+          </p:nvPr>
+        </p:nvSpPr>
+        <p:spPr/>
+        <p:txBody>
+          <a:bodyPr/>
+          <a:lstStyle/>
+          <a:p>
+            <a:r>
+              <a:rPr lang="en-US" altLang="zh-CN" dirty="0"/>
+              <a:t>1. lm.mdb</a:t>
+            </a:r>
+            <a:r>
+              <a:rPr lang="zh-CN" altLang="en-US" dirty="0"/>
+              <a:t>获取数据</a:t>
+            </a:r>
+            <a:r>
+              <a:rPr lang="en-US" altLang="zh-CN" dirty="0"/>
+              <a:t>-&gt; 70.mdb</a:t>
+            </a:r>
+          </a:p>
+          <a:p>
+            <a:r>
+              <a:rPr lang="en-US" altLang="zh-CN" dirty="0"/>
+              <a:t>2. </a:t>
+            </a:r>
+            <a:r>
+              <a:rPr lang="zh-CN" altLang="en-US" dirty="0"/>
+              <a:t>天线信息</a:t>
+            </a:r>
+            <a:endParaRPr lang="en-US" altLang="zh-CN" dirty="0"/>
+          </a:p>
+          <a:p>
+            <a:r>
+              <a:rPr lang="en-US" altLang="zh-CN" dirty="0"/>
+              <a:t>3. </a:t>
+            </a:r>
+            <a:r>
+              <a:rPr lang="zh-CN" altLang="en-US" dirty="0"/>
+              <a:t>告警信息</a:t>
+            </a:r>
+            <a:endParaRPr lang="en-US" altLang="zh-CN" dirty="0"/>
+          </a:p>
+          <a:p>
+            <a:r>
+              <a:rPr lang="en-US" altLang="zh-CN" dirty="0"/>
+              <a:t>4. RRU</a:t>
+            </a:r>
+            <a:r>
+              <a:rPr lang="zh-CN" altLang="en-US" dirty="0"/>
+              <a:t>信息</a:t>
+            </a:r>
+            <a:endParaRPr lang="en-US" altLang="zh-CN" dirty="0"/>
+          </a:p>
+          <a:p>
+            <a:r>
+              <a:rPr lang="en-US" altLang="zh-CN" dirty="0"/>
+              <a:t>5. </a:t>
+            </a:r>
+            <a:r>
+              <a:rPr lang="en-US" altLang="zh-CN" dirty="0" err="1"/>
+              <a:t>reclist</a:t>
+            </a:r>
+            <a:endParaRPr lang="en-US" altLang="zh-CN" dirty="0"/>
+          </a:p>
+          <a:p>
+            <a:r>
+              <a:rPr lang="en-US" altLang="zh-CN" dirty="0"/>
+              <a:t>6. </a:t>
+            </a:r>
+            <a:r>
+              <a:rPr lang="zh-CN" altLang="en-US" dirty="0"/>
+              <a:t>自定义文件</a:t>
+            </a:r>
+            <a:r>
+              <a:rPr lang="en-US" altLang="zh-CN" dirty="0"/>
+              <a:t>(</a:t>
+            </a:r>
+            <a:r>
+              <a:rPr lang="en-US" altLang="zh-CN" dirty="0" err="1"/>
+              <a:t>init,patch</a:t>
+            </a:r>
+            <a:r>
+              <a:rPr lang="en-US" altLang="zh-CN" dirty="0"/>
+              <a:t>)</a:t>
+            </a:r>
+          </a:p>
+          <a:p>
+            <a:r>
+              <a:rPr lang="en-US" altLang="zh-CN" dirty="0"/>
+              <a:t>7. </a:t>
+            </a:r>
+            <a:r>
+              <a:rPr lang="zh-CN" altLang="en-US" dirty="0"/>
+              <a:t>做</a:t>
+            </a:r>
+            <a:r>
+              <a:rPr lang="en-US" altLang="zh-CN" dirty="0" err="1"/>
+              <a:t>init.cfg</a:t>
+            </a:r>
+            <a:r>
+              <a:rPr lang="zh-CN" altLang="en-US" dirty="0"/>
+              <a:t>和</a:t>
+            </a:r>
+            <a:r>
+              <a:rPr lang="en-US" altLang="zh-CN" dirty="0" err="1"/>
+              <a:t>patch_ex.cfg</a:t>
+            </a:r>
+            <a:endParaRPr lang="zh-CN" altLang="en-US" dirty="0"/>
+          </a:p>
+        </p:txBody>
+      </p:sp>
+    </p:spTree>
+    <p:extLst>
+      <p:ext uri="{BB962C8B-B14F-4D97-AF65-F5344CB8AC3E}">
+        <p14:creationId xmlns:p14="http://schemas.microsoft.com/office/powerpoint/2010/main" val="3180002281"/>
+      </p:ext>
+    </p:extLst>
+  </p:cSld>
+  <p:clrMapOvr>
+    <a:masterClrMapping/>
+  </p:clrMapOvr>
+</p:sld>
+</file>
+
+<file path=ppt/slides/slide11.xml><?xml version="1.0" encoding="utf-8"?>
+<p:sld xmlns:a="http://schemas.openxmlformats.org/drawingml/2006/main" xmlns:r="http://schemas.openxmlformats.org/officeDocument/2006/relationships" xmlns:p="http://schemas.openxmlformats.org/presentationml/2006/main">
+  <p:cSld>
+    <p:spTree>
+      <p:nvGrpSpPr>
+        <p:cNvPr id="1" name=""/>
+        <p:cNvGrpSpPr/>
+        <p:nvPr/>
+      </p:nvGrpSpPr>
+      <p:grpSpPr>
+        <a:xfrm>
+          <a:off x="0" y="0"/>
+          <a:ext cx="0" cy="0"/>
+          <a:chOff x="0" y="0"/>
+          <a:chExt cx="0" cy="0"/>
+        </a:xfrm>
+      </p:grpSpPr>
+      <p:sp>
+        <p:nvSpPr>
+          <p:cNvPr id="2" name="标题 1">
+            <a:extLst>
+              <a:ext uri="{FF2B5EF4-FFF2-40B4-BE49-F238E27FC236}">
+                <a16:creationId xmlns:a16="http://schemas.microsoft.com/office/drawing/2014/main" id="{EF280E9D-D2C6-47C4-9760-819FF2D7656B}"/>
+              </a:ext>
+            </a:extLst>
+          </p:cNvPr>
+          <p:cNvSpPr>
+            <a:spLocks noGrp="1"/>
+          </p:cNvSpPr>
+          <p:nvPr>
+            <p:ph type="title"/>
+          </p:nvPr>
+        </p:nvSpPr>
+        <p:spPr/>
+        <p:txBody>
+          <a:bodyPr/>
+          <a:lstStyle/>
+          <a:p>
+            <a:r>
+              <a:rPr lang="en-US" altLang="zh-CN" dirty="0" err="1"/>
+              <a:t>eNB</a:t>
+            </a:r>
+            <a:r>
+              <a:rPr lang="zh-CN" altLang="en-US" dirty="0"/>
+              <a:t>告警信息表</a:t>
+            </a:r>
+            <a:r>
+              <a:rPr lang="en-US" altLang="zh-CN" dirty="0"/>
+              <a:t>.</a:t>
+            </a:r>
+            <a:r>
+              <a:rPr lang="en-US" altLang="zh-CN" dirty="0" err="1"/>
+              <a:t>xls</a:t>
+            </a:r>
+            <a:endParaRPr lang="zh-CN" altLang="en-US" dirty="0"/>
+          </a:p>
+        </p:txBody>
+      </p:sp>
+      <p:sp>
+        <p:nvSpPr>
+          <p:cNvPr id="3" name="内容占位符 2">
+            <a:extLst>
+              <a:ext uri="{FF2B5EF4-FFF2-40B4-BE49-F238E27FC236}">
+                <a16:creationId xmlns:a16="http://schemas.microsoft.com/office/drawing/2014/main" id="{7471E454-2F86-4591-BB2F-62DEB1637058}"/>
+              </a:ext>
+            </a:extLst>
+          </p:cNvPr>
+          <p:cNvSpPr>
+            <a:spLocks noGrp="1"/>
+          </p:cNvSpPr>
+          <p:nvPr>
+            <p:ph idx="1"/>
+          </p:nvPr>
+        </p:nvSpPr>
+        <p:spPr>
+          <a:xfrm>
+            <a:off x="457200" y="1600200"/>
+            <a:ext cx="8229600" cy="5141168"/>
+          </a:xfrm>
+        </p:spPr>
+        <p:txBody>
+          <a:bodyPr>
+            <a:normAutofit/>
+          </a:bodyPr>
+          <a:lstStyle/>
+          <a:p>
+            <a:r>
+              <a:rPr lang="en-US" altLang="zh-CN" dirty="0"/>
+              <a:t>//</a:t>
+            </a:r>
+            <a:r>
+              <a:rPr lang="zh-CN" altLang="en-US" dirty="0"/>
+              <a:t>告警表 </a:t>
+            </a:r>
+            <a:r>
+              <a:rPr lang="en-US" altLang="zh-CN" dirty="0"/>
+              <a:t>MIB</a:t>
+            </a:r>
+          </a:p>
+          <a:p>
+            <a:r>
+              <a:rPr lang="en-US" altLang="zh-CN" dirty="0"/>
+              <a:t>"</a:t>
+            </a:r>
+            <a:r>
+              <a:rPr lang="en-US" altLang="zh-CN" dirty="0" err="1"/>
+              <a:t>alarmCauseEntry</a:t>
+            </a:r>
+            <a:r>
+              <a:rPr lang="en-US" altLang="zh-CN" dirty="0"/>
+              <a:t>"          : </a:t>
+            </a:r>
+          </a:p>
+          <a:p>
+            <a:r>
+              <a:rPr lang="en-US" altLang="zh-CN" dirty="0"/>
+              <a:t>"select  * from AlarmInform_5216"</a:t>
+            </a:r>
+          </a:p>
+          <a:p>
+            <a:endParaRPr lang="en-US" altLang="zh-CN" dirty="0"/>
+          </a:p>
+          <a:p>
+            <a:r>
+              <a:rPr lang="en-US" altLang="zh-CN" dirty="0"/>
+              <a:t>//</a:t>
+            </a:r>
+            <a:r>
+              <a:rPr lang="zh-CN" altLang="en-US" dirty="0"/>
+              <a:t>更新告警数据库 </a:t>
+            </a:r>
+            <a:r>
+              <a:rPr lang="en-US" altLang="zh-CN" dirty="0"/>
+              <a:t>TOOL</a:t>
+            </a:r>
+          </a:p>
+          <a:p>
+            <a:r>
+              <a:rPr lang="en-US" altLang="zh-CN" dirty="0"/>
+              <a:t> "AlarmExcelParser.exe“</a:t>
+            </a:r>
+          </a:p>
+          <a:p>
+            <a:r>
+              <a:rPr lang="en-US" altLang="zh-CN" dirty="0" err="1"/>
+              <a:t>CString</a:t>
+            </a:r>
+            <a:r>
+              <a:rPr lang="en-US" altLang="zh-CN" dirty="0"/>
+              <a:t> </a:t>
+            </a:r>
+            <a:r>
+              <a:rPr lang="en-US" altLang="zh-CN" dirty="0" err="1"/>
+              <a:t>strAlarmDatabasePath</a:t>
+            </a:r>
+            <a:r>
+              <a:rPr lang="en-US" altLang="zh-CN" dirty="0"/>
+              <a:t> = "data\\LMTAlarm.mdb");</a:t>
+            </a:r>
+          </a:p>
+          <a:p>
+            <a:pPr marL="0" indent="0">
+              <a:buNone/>
+            </a:pPr>
+            <a:endParaRPr lang="zh-CN" altLang="en-US" dirty="0"/>
+          </a:p>
+        </p:txBody>
+      </p:sp>
+    </p:spTree>
+    <p:extLst>
+      <p:ext uri="{BB962C8B-B14F-4D97-AF65-F5344CB8AC3E}">
+        <p14:creationId xmlns:p14="http://schemas.microsoft.com/office/powerpoint/2010/main" val="3295686715"/>
+      </p:ext>
+    </p:extLst>
+  </p:cSld>
+  <p:clrMapOvr>
+    <a:masterClrMapping/>
+  </p:clrMapOvr>
+</p:sld>
+</file>
+
+<file path=ppt/slides/slide12.xml><?xml version="1.0" encoding="utf-8"?>
+<p:sld xmlns:a="http://schemas.openxmlformats.org/drawingml/2006/main" xmlns:r="http://schemas.openxmlformats.org/officeDocument/2006/relationships" xmlns:p="http://schemas.openxmlformats.org/presentationml/2006/main">
+  <p:cSld>
+    <p:spTree>
+      <p:nvGrpSpPr>
+        <p:cNvPr id="1" name=""/>
+        <p:cNvGrpSpPr/>
+        <p:nvPr/>
+      </p:nvGrpSpPr>
+      <p:grpSpPr>
+        <a:xfrm>
+          <a:off x="0" y="0"/>
+          <a:ext cx="0" cy="0"/>
+          <a:chOff x="0" y="0"/>
+          <a:chExt cx="0" cy="0"/>
+        </a:xfrm>
+      </p:grpSpPr>
+      <p:sp>
+        <p:nvSpPr>
+          <p:cNvPr id="2" name="标题 1">
+            <a:extLst>
+              <a:ext uri="{FF2B5EF4-FFF2-40B4-BE49-F238E27FC236}">
+                <a16:creationId xmlns:a16="http://schemas.microsoft.com/office/drawing/2014/main" id="{EF280E9D-D2C6-47C4-9760-819FF2D7656B}"/>
+              </a:ext>
+            </a:extLst>
+          </p:cNvPr>
+          <p:cNvSpPr>
+            <a:spLocks noGrp="1"/>
+          </p:cNvSpPr>
+          <p:nvPr>
+            <p:ph type="title"/>
+          </p:nvPr>
+        </p:nvSpPr>
+        <p:spPr/>
+        <p:txBody>
+          <a:bodyPr/>
+          <a:lstStyle/>
+          <a:p>
+            <a:r>
+              <a:rPr lang="en-US" altLang="zh-CN" dirty="0"/>
+              <a:t>RRU</a:t>
+            </a:r>
+            <a:r>
+              <a:rPr lang="zh-CN" altLang="en-US" dirty="0"/>
+              <a:t>基本信息表</a:t>
+            </a:r>
+            <a:r>
+              <a:rPr lang="en-US" altLang="zh-CN" dirty="0"/>
+              <a:t>.</a:t>
+            </a:r>
+            <a:r>
+              <a:rPr lang="en-US" altLang="zh-CN" dirty="0" err="1"/>
+              <a:t>xls</a:t>
+            </a:r>
+            <a:endParaRPr lang="zh-CN" altLang="en-US" dirty="0"/>
+          </a:p>
+        </p:txBody>
+      </p:sp>
+      <p:sp>
+        <p:nvSpPr>
+          <p:cNvPr id="3" name="内容占位符 2">
+            <a:extLst>
+              <a:ext uri="{FF2B5EF4-FFF2-40B4-BE49-F238E27FC236}">
+                <a16:creationId xmlns:a16="http://schemas.microsoft.com/office/drawing/2014/main" id="{7471E454-2F86-4591-BB2F-62DEB1637058}"/>
+              </a:ext>
+            </a:extLst>
+          </p:cNvPr>
+          <p:cNvSpPr>
+            <a:spLocks noGrp="1"/>
+          </p:cNvSpPr>
+          <p:nvPr>
+            <p:ph idx="1"/>
+          </p:nvPr>
+        </p:nvSpPr>
+        <p:spPr>
+          <a:xfrm>
+            <a:off x="457200" y="1600200"/>
+            <a:ext cx="8229600" cy="5257800"/>
+          </a:xfrm>
+        </p:spPr>
+        <p:txBody>
+          <a:bodyPr>
+            <a:normAutofit fontScale="77500" lnSpcReduction="20000"/>
+          </a:bodyPr>
+          <a:lstStyle/>
+          <a:p>
+            <a:r>
+              <a:rPr lang="en-US" altLang="zh-CN" dirty="0"/>
+              <a:t>//</a:t>
+            </a:r>
+            <a:r>
+              <a:rPr lang="zh-CN" altLang="en-US" dirty="0"/>
+              <a:t>器件库表 </a:t>
+            </a:r>
+            <a:r>
+              <a:rPr lang="en-US" altLang="zh-CN" dirty="0"/>
+              <a:t>MIB</a:t>
+            </a:r>
+          </a:p>
+          <a:p>
+            <a:r>
+              <a:rPr lang="en-US" altLang="zh-CN" dirty="0"/>
+              <a:t>"</a:t>
+            </a:r>
+            <a:r>
+              <a:rPr lang="en-US" altLang="zh-CN" dirty="0" err="1"/>
+              <a:t>antennaArrayTypeEntry</a:t>
+            </a:r>
+            <a:r>
+              <a:rPr lang="en-US" altLang="zh-CN" dirty="0"/>
+              <a:t>"    : </a:t>
+            </a:r>
+          </a:p>
+          <a:p>
+            <a:r>
+              <a:rPr lang="zh-CN" altLang="en-US" dirty="0"/>
+              <a:t>创建配置文件时器件库表下天线阵类型表不做动态表处理，记录设为空 ，不用 </a:t>
+            </a:r>
+            <a:r>
+              <a:rPr lang="en-US" altLang="zh-CN" dirty="0"/>
+              <a:t>"select  * from </a:t>
+            </a:r>
+            <a:r>
+              <a:rPr lang="en-US" altLang="zh-CN" dirty="0" err="1"/>
+              <a:t>antennaArrayType</a:t>
+            </a:r>
+            <a:r>
+              <a:rPr lang="en-US" altLang="zh-CN" dirty="0"/>
+              <a:t>"</a:t>
+            </a:r>
+          </a:p>
+          <a:p>
+            <a:pPr marL="0" indent="0">
+              <a:buNone/>
+            </a:pPr>
+            <a:endParaRPr lang="en-US" altLang="zh-CN" dirty="0"/>
+          </a:p>
+          <a:p>
+            <a:r>
+              <a:rPr lang="en-US" altLang="zh-CN" dirty="0"/>
+              <a:t>"</a:t>
+            </a:r>
+            <a:r>
+              <a:rPr lang="en-US" altLang="zh-CN" dirty="0" err="1"/>
+              <a:t>rruTypeEntry</a:t>
+            </a:r>
+            <a:r>
+              <a:rPr lang="en-US" altLang="zh-CN" dirty="0"/>
+              <a:t>"             : "select  * from </a:t>
+            </a:r>
+            <a:r>
+              <a:rPr lang="en-US" altLang="zh-CN" dirty="0" err="1"/>
+              <a:t>rruType</a:t>
+            </a:r>
+            <a:r>
+              <a:rPr lang="en-US" altLang="zh-CN" dirty="0"/>
+              <a:t>"</a:t>
+            </a:r>
+          </a:p>
+          <a:p>
+            <a:pPr marL="0" indent="0">
+              <a:buNone/>
+            </a:pPr>
+            <a:endParaRPr lang="en-US" altLang="zh-CN" dirty="0"/>
+          </a:p>
+          <a:p>
+            <a:r>
+              <a:rPr lang="en-US" altLang="zh-CN" dirty="0"/>
+              <a:t>"</a:t>
+            </a:r>
+            <a:r>
+              <a:rPr lang="en-US" altLang="zh-CN" dirty="0" err="1"/>
+              <a:t>rruTypePortEntry</a:t>
+            </a:r>
+            <a:r>
+              <a:rPr lang="en-US" altLang="zh-CN" dirty="0"/>
+              <a:t>"         </a:t>
+            </a:r>
+            <a:r>
+              <a:rPr lang="zh-CN" altLang="en-US" dirty="0"/>
+              <a:t>：</a:t>
+            </a:r>
+            <a:r>
+              <a:rPr lang="en-US" altLang="zh-CN" dirty="0"/>
+              <a:t>"select  * from </a:t>
+            </a:r>
+            <a:r>
+              <a:rPr lang="en-US" altLang="zh-CN" dirty="0" err="1"/>
+              <a:t>rruTypePort</a:t>
+            </a:r>
+            <a:r>
+              <a:rPr lang="en-US" altLang="zh-CN" dirty="0"/>
+              <a:t>"</a:t>
+            </a:r>
+          </a:p>
+          <a:p>
+            <a:pPr marL="0" indent="0">
+              <a:buNone/>
+            </a:pPr>
+            <a:endParaRPr lang="en-US" altLang="zh-CN" dirty="0"/>
+          </a:p>
+          <a:p>
+            <a:r>
+              <a:rPr lang="en-US" altLang="zh-CN" dirty="0"/>
+              <a:t>//</a:t>
+            </a:r>
+            <a:r>
+              <a:rPr lang="zh-CN" altLang="en-US" dirty="0"/>
+              <a:t>更新</a:t>
+            </a:r>
+            <a:r>
+              <a:rPr lang="en-US" altLang="zh-CN" dirty="0"/>
+              <a:t>RRU</a:t>
+            </a:r>
+            <a:r>
+              <a:rPr lang="zh-CN" altLang="en-US" dirty="0"/>
+              <a:t>信息数据库 </a:t>
+            </a:r>
+            <a:r>
+              <a:rPr lang="en-US" altLang="zh-CN" dirty="0"/>
+              <a:t>TOOL</a:t>
+            </a:r>
+          </a:p>
+          <a:p>
+            <a:r>
+              <a:rPr lang="en-US" altLang="zh-CN" dirty="0"/>
+              <a:t>"MIBConvertor.exe"</a:t>
+            </a:r>
+          </a:p>
+          <a:p>
+            <a:r>
+              <a:rPr lang="en-US" altLang="zh-CN" dirty="0" err="1"/>
+              <a:t>CString</a:t>
+            </a:r>
+            <a:r>
+              <a:rPr lang="en-US" altLang="zh-CN" dirty="0"/>
+              <a:t> </a:t>
+            </a:r>
+            <a:r>
+              <a:rPr lang="en-US" altLang="zh-CN" dirty="0" err="1"/>
+              <a:t>strRruType</a:t>
+            </a:r>
+            <a:r>
+              <a:rPr lang="en-US" altLang="zh-CN" dirty="0"/>
+              <a:t> = "</a:t>
+            </a:r>
+            <a:r>
+              <a:rPr lang="zh-CN" altLang="en-US" dirty="0"/>
+              <a:t>解析</a:t>
+            </a:r>
+            <a:r>
+              <a:rPr lang="en-US" altLang="zh-CN" dirty="0" err="1"/>
+              <a:t>RRUType</a:t>
+            </a:r>
+            <a:r>
+              <a:rPr lang="zh-CN" altLang="en-US" dirty="0"/>
+              <a:t>表</a:t>
+            </a:r>
+            <a:r>
+              <a:rPr lang="en-US" altLang="zh-CN" dirty="0"/>
+              <a:t>"; "data\\template\\LMTDBENODEB70.mdb");</a:t>
+            </a:r>
+          </a:p>
+          <a:p>
+            <a:endParaRPr lang="en-US" altLang="zh-CN" dirty="0"/>
+          </a:p>
+          <a:p>
+            <a:endParaRPr lang="zh-CN" altLang="en-US" dirty="0"/>
+          </a:p>
+        </p:txBody>
+      </p:sp>
+    </p:spTree>
+    <p:extLst>
+      <p:ext uri="{BB962C8B-B14F-4D97-AF65-F5344CB8AC3E}">
+        <p14:creationId xmlns:p14="http://schemas.microsoft.com/office/powerpoint/2010/main" val="3532136996"/>
+      </p:ext>
+    </p:extLst>
+  </p:cSld>
+  <p:clrMapOvr>
+    <a:masterClrMapping/>
+  </p:clrMapOvr>
+</p:sld>
+</file>
+
+<file path=ppt/slides/slide13.xml><?xml version="1.0" encoding="utf-8"?>
+<p:sld xmlns:a="http://schemas.openxmlformats.org/drawingml/2006/main" xmlns:r="http://schemas.openxmlformats.org/officeDocument/2006/relationships" xmlns:p="http://schemas.openxmlformats.org/presentationml/2006/main">
+  <p:cSld>
+    <p:spTree>
+      <p:nvGrpSpPr>
+        <p:cNvPr id="1" name=""/>
+        <p:cNvGrpSpPr/>
+        <p:nvPr/>
+      </p:nvGrpSpPr>
+      <p:grpSpPr>
+        <a:xfrm>
+          <a:off x="0" y="0"/>
+          <a:ext cx="0" cy="0"/>
+          <a:chOff x="0" y="0"/>
+          <a:chExt cx="0" cy="0"/>
+        </a:xfrm>
+      </p:grpSpPr>
+      <p:sp>
+        <p:nvSpPr>
+          <p:cNvPr id="2" name="标题 1">
+            <a:extLst>
+              <a:ext uri="{FF2B5EF4-FFF2-40B4-BE49-F238E27FC236}">
+                <a16:creationId xmlns:a16="http://schemas.microsoft.com/office/drawing/2014/main" id="{EF280E9D-D2C6-47C4-9760-819FF2D7656B}"/>
+              </a:ext>
+            </a:extLst>
+          </p:cNvPr>
+          <p:cNvSpPr>
+            <a:spLocks noGrp="1"/>
+          </p:cNvSpPr>
+          <p:nvPr>
+            <p:ph type="title"/>
+          </p:nvPr>
+        </p:nvSpPr>
+        <p:spPr/>
+        <p:txBody>
+          <a:bodyPr>
+            <a:normAutofit fontScale="90000"/>
+          </a:bodyPr>
+          <a:lstStyle/>
+          <a:p>
+            <a:r>
+              <a:rPr lang="en-US" altLang="zh-CN" dirty="0"/>
+              <a:t>LTE_</a:t>
+            </a:r>
+            <a:r>
+              <a:rPr lang="zh-CN" altLang="en-US" dirty="0"/>
+              <a:t>基站天线广播波束权值参数配置表</a:t>
+            </a:r>
+            <a:r>
+              <a:rPr lang="en-US" altLang="zh-CN" dirty="0"/>
+              <a:t>_5G.xls</a:t>
+            </a:r>
+            <a:endParaRPr lang="zh-CN" altLang="en-US" dirty="0"/>
+          </a:p>
+        </p:txBody>
+      </p:sp>
+      <p:sp>
+        <p:nvSpPr>
+          <p:cNvPr id="3" name="内容占位符 2">
+            <a:extLst>
+              <a:ext uri="{FF2B5EF4-FFF2-40B4-BE49-F238E27FC236}">
+                <a16:creationId xmlns:a16="http://schemas.microsoft.com/office/drawing/2014/main" id="{7471E454-2F86-4591-BB2F-62DEB1637058}"/>
+              </a:ext>
+            </a:extLst>
+          </p:cNvPr>
+          <p:cNvSpPr>
+            <a:spLocks noGrp="1"/>
+          </p:cNvSpPr>
+          <p:nvPr>
+            <p:ph idx="1"/>
+          </p:nvPr>
+        </p:nvSpPr>
+        <p:spPr>
+          <a:xfrm>
+            <a:off x="457200" y="1600200"/>
+            <a:ext cx="8229600" cy="4983162"/>
+          </a:xfrm>
+        </p:spPr>
+        <p:txBody>
+          <a:bodyPr>
+            <a:normAutofit/>
+          </a:bodyPr>
+          <a:lstStyle/>
+          <a:p>
+            <a:r>
+              <a:rPr lang="en-US" altLang="zh-CN" dirty="0"/>
+              <a:t>//</a:t>
+            </a:r>
+            <a:r>
+              <a:rPr lang="zh-CN" altLang="en-US" dirty="0"/>
+              <a:t>天线信息  </a:t>
+            </a:r>
+            <a:r>
+              <a:rPr lang="en-US" altLang="zh-CN" dirty="0"/>
+              <a:t>MIB</a:t>
+            </a:r>
+          </a:p>
+          <a:p>
+            <a:r>
+              <a:rPr lang="en-US" altLang="zh-CN" dirty="0"/>
+              <a:t>"</a:t>
+            </a:r>
+            <a:r>
+              <a:rPr lang="en-US" altLang="zh-CN" dirty="0" err="1"/>
+              <a:t>antennaBfScanWeightEntry</a:t>
+            </a:r>
+            <a:r>
+              <a:rPr lang="en-US" altLang="zh-CN" dirty="0"/>
+              <a:t>" </a:t>
+            </a:r>
+            <a:r>
+              <a:rPr lang="zh-CN" altLang="en-US" dirty="0"/>
+              <a:t>：</a:t>
+            </a:r>
+          </a:p>
+          <a:p>
+            <a:r>
+              <a:rPr lang="en-US" altLang="zh-CN" dirty="0"/>
+              <a:t>"select  * from </a:t>
+            </a:r>
+            <a:r>
+              <a:rPr lang="en-US" altLang="zh-CN" dirty="0" err="1"/>
+              <a:t>antennaBfScan</a:t>
+            </a:r>
+            <a:r>
+              <a:rPr lang="en-US" altLang="zh-CN" dirty="0"/>
+              <a:t>"</a:t>
+            </a:r>
+          </a:p>
+          <a:p>
+            <a:pPr marL="0" indent="0">
+              <a:buNone/>
+            </a:pPr>
+            <a:endParaRPr lang="en-US" altLang="zh-CN" dirty="0"/>
+          </a:p>
+          <a:p>
+            <a:r>
+              <a:rPr lang="en-US" altLang="zh-CN" dirty="0"/>
+              <a:t>//</a:t>
+            </a:r>
+            <a:r>
+              <a:rPr lang="zh-CN" altLang="en-US" dirty="0"/>
+              <a:t>导入天线信息</a:t>
+            </a:r>
+            <a:endParaRPr lang="en-US" altLang="zh-CN" dirty="0"/>
+          </a:p>
+          <a:p>
+            <a:r>
+              <a:rPr lang="en-US" altLang="zh-CN" dirty="0"/>
+              <a:t> "</a:t>
+            </a:r>
+            <a:r>
+              <a:rPr lang="zh-CN" altLang="en-US" dirty="0"/>
+              <a:t>解析</a:t>
+            </a:r>
+            <a:r>
+              <a:rPr lang="en-US" altLang="zh-CN" dirty="0"/>
+              <a:t>Antenna</a:t>
+            </a:r>
+            <a:r>
+              <a:rPr lang="zh-CN" altLang="en-US" dirty="0"/>
+              <a:t>表</a:t>
+            </a:r>
+            <a:r>
+              <a:rPr lang="en-US" altLang="zh-CN" dirty="0"/>
+              <a:t>(5216)“</a:t>
+            </a:r>
+          </a:p>
+          <a:p>
+            <a:r>
+              <a:rPr lang="en-US" altLang="zh-CN" dirty="0"/>
+              <a:t>"data\\LMTAlarm.mdb");</a:t>
+            </a:r>
+          </a:p>
+          <a:p>
+            <a:r>
+              <a:rPr lang="en-US" altLang="zh-CN" dirty="0"/>
+              <a:t>Sheet =“</a:t>
+            </a:r>
+            <a:r>
+              <a:rPr lang="zh-CN" altLang="en-US" dirty="0"/>
+              <a:t>波束扫描原始值</a:t>
+            </a:r>
+            <a:r>
+              <a:rPr lang="en-US" altLang="zh-CN" dirty="0"/>
+              <a:t>”</a:t>
+            </a:r>
+            <a:endParaRPr lang="zh-CN" altLang="en-US" dirty="0"/>
+          </a:p>
+        </p:txBody>
+      </p:sp>
+    </p:spTree>
+    <p:extLst>
+      <p:ext uri="{BB962C8B-B14F-4D97-AF65-F5344CB8AC3E}">
+        <p14:creationId xmlns:p14="http://schemas.microsoft.com/office/powerpoint/2010/main" val="4034514712"/>
+      </p:ext>
+    </p:extLst>
+  </p:cSld>
+  <p:clrMapOvr>
+    <a:masterClrMapping/>
+  </p:clrMapOvr>
+</p:sld>
+</file>
+
 <file path=ppt/slides/slide2.xml><?xml version="1.0" encoding="utf-8"?>
 <p:sld xmlns:a="http://schemas.openxmlformats.org/drawingml/2006/main" xmlns:r="http://schemas.openxmlformats.org/officeDocument/2006/relationships" xmlns:p="http://schemas.openxmlformats.org/presentationml/2006/main">
   <p:cSld>
@@ -10542,6 +11397,338 @@
     <p:extLst>
       <p:ext uri="{BB962C8B-B14F-4D97-AF65-F5344CB8AC3E}">
         <p14:creationId xmlns:p14="http://schemas.microsoft.com/office/powerpoint/2010/main" val="1347574365"/>
+      </p:ext>
+    </p:extLst>
+  </p:cSld>
+  <p:clrMapOvr>
+    <a:masterClrMapping/>
+  </p:clrMapOvr>
+</p:sld>
+</file>
+
+<file path=ppt/slides/slide8.xml><?xml version="1.0" encoding="utf-8"?>
+<p:sld xmlns:a="http://schemas.openxmlformats.org/drawingml/2006/main" xmlns:r="http://schemas.openxmlformats.org/officeDocument/2006/relationships" xmlns:p="http://schemas.openxmlformats.org/presentationml/2006/main">
+  <p:cSld>
+    <p:spTree>
+      <p:nvGrpSpPr>
+        <p:cNvPr id="1" name=""/>
+        <p:cNvGrpSpPr/>
+        <p:nvPr/>
+      </p:nvGrpSpPr>
+      <p:grpSpPr>
+        <a:xfrm>
+          <a:off x="0" y="0"/>
+          <a:ext cx="0" cy="0"/>
+          <a:chOff x="0" y="0"/>
+          <a:chExt cx="0" cy="0"/>
+        </a:xfrm>
+      </p:grpSpPr>
+      <p:sp>
+        <p:nvSpPr>
+          <p:cNvPr id="2" name="标题 1">
+            <a:extLst>
+              <a:ext uri="{FF2B5EF4-FFF2-40B4-BE49-F238E27FC236}">
+                <a16:creationId xmlns:a16="http://schemas.microsoft.com/office/drawing/2014/main" id="{A2991321-2FD5-486F-9F5E-B924A620FACC}"/>
+              </a:ext>
+            </a:extLst>
+          </p:cNvPr>
+          <p:cNvSpPr>
+            <a:spLocks noGrp="1"/>
+          </p:cNvSpPr>
+          <p:nvPr>
+            <p:ph type="title"/>
+          </p:nvPr>
+        </p:nvSpPr>
+        <p:spPr/>
+        <p:txBody>
+          <a:bodyPr/>
+          <a:lstStyle/>
+          <a:p>
+            <a:r>
+              <a:rPr lang="en-US" altLang="zh-CN" dirty="0" err="1"/>
+              <a:t>Init.cfg</a:t>
+            </a:r>
+            <a:r>
+              <a:rPr lang="zh-CN" altLang="en-US" dirty="0"/>
+              <a:t>来源</a:t>
+            </a:r>
+          </a:p>
+        </p:txBody>
+      </p:sp>
+      <p:sp>
+        <p:nvSpPr>
+          <p:cNvPr id="3" name="内容占位符 2">
+            <a:extLst>
+              <a:ext uri="{FF2B5EF4-FFF2-40B4-BE49-F238E27FC236}">
+                <a16:creationId xmlns:a16="http://schemas.microsoft.com/office/drawing/2014/main" id="{EA488EBC-97CE-4E20-9D2D-10CC16735170}"/>
+              </a:ext>
+            </a:extLst>
+          </p:cNvPr>
+          <p:cNvSpPr>
+            <a:spLocks noGrp="1"/>
+          </p:cNvSpPr>
+          <p:nvPr>
+            <p:ph idx="1"/>
+          </p:nvPr>
+        </p:nvSpPr>
+        <p:spPr/>
+        <p:txBody>
+          <a:bodyPr/>
+          <a:lstStyle/>
+          <a:p>
+            <a:r>
+              <a:rPr lang="en-US" altLang="zh-CN" dirty="0"/>
+              <a:t>1.</a:t>
+            </a:r>
+            <a:r>
+              <a:rPr lang="zh-CN" altLang="en-US" dirty="0"/>
+              <a:t>自定义</a:t>
+            </a:r>
+            <a:r>
+              <a:rPr lang="en-US" altLang="zh-CN" dirty="0"/>
+              <a:t>_</a:t>
+            </a:r>
+            <a:r>
+              <a:rPr lang="zh-CN" altLang="en-US" dirty="0"/>
+              <a:t>初配数据文件</a:t>
+            </a:r>
+            <a:r>
+              <a:rPr lang="en-US" altLang="zh-CN" dirty="0"/>
+              <a:t>_ENB_xxx.xls</a:t>
+            </a:r>
+          </a:p>
+          <a:p>
+            <a:r>
+              <a:rPr lang="en-US" altLang="zh-CN" dirty="0"/>
+              <a:t>2. RecList_Vx.xx.xx.xx.xls</a:t>
+            </a:r>
+          </a:p>
+          <a:p>
+            <a:r>
+              <a:rPr lang="en-US" altLang="zh-CN" dirty="0"/>
+              <a:t>3. </a:t>
+            </a:r>
+            <a:r>
+              <a:rPr lang="zh-CN" altLang="en-US" dirty="0"/>
+              <a:t>代码写死部分</a:t>
+            </a:r>
+            <a:endParaRPr lang="en-US" altLang="zh-CN" dirty="0"/>
+          </a:p>
+          <a:p>
+            <a:r>
+              <a:rPr lang="en-US" altLang="zh-CN" dirty="0"/>
+              <a:t>4. </a:t>
+            </a:r>
+            <a:r>
+              <a:rPr lang="zh-CN" altLang="en-US" dirty="0"/>
+              <a:t>根据上面的</a:t>
+            </a:r>
+            <a:r>
+              <a:rPr lang="en-US" altLang="zh-CN" dirty="0"/>
+              <a:t>3</a:t>
+            </a:r>
+            <a:r>
+              <a:rPr lang="zh-CN" altLang="en-US" dirty="0"/>
+              <a:t>部分内容查找各自的数据库，筛选自定义，</a:t>
+            </a:r>
+            <a:r>
+              <a:rPr lang="en-US" altLang="zh-CN" dirty="0" err="1"/>
+              <a:t>reclist</a:t>
+            </a:r>
+            <a:r>
+              <a:rPr lang="zh-CN" altLang="en-US" dirty="0"/>
+              <a:t>和写死部分的表内容写入数据库中。</a:t>
+            </a:r>
+            <a:endParaRPr lang="en-US" altLang="zh-CN" dirty="0"/>
+          </a:p>
+          <a:p>
+            <a:r>
+              <a:rPr lang="en-US" altLang="zh-CN" dirty="0"/>
+              <a:t>5G</a:t>
+            </a:r>
+            <a:r>
+              <a:rPr lang="zh-CN" altLang="en-US" dirty="0"/>
+              <a:t>废弃了</a:t>
+            </a:r>
+            <a:r>
+              <a:rPr lang="en-US" altLang="zh-CN" dirty="0"/>
+              <a:t>reclist.xls</a:t>
+            </a:r>
+            <a:r>
+              <a:rPr lang="zh-CN" altLang="en-US" dirty="0"/>
+              <a:t>，引入</a:t>
+            </a:r>
+            <a:r>
+              <a:rPr lang="en-US" altLang="zh-CN" dirty="0"/>
+              <a:t>&lt;</a:t>
+            </a:r>
+            <a:r>
+              <a:rPr lang="zh-CN" altLang="en-US" dirty="0"/>
+              <a:t>参标</a:t>
+            </a:r>
+            <a:r>
+              <a:rPr lang="en-US" altLang="zh-CN" dirty="0"/>
+              <a:t>.</a:t>
+            </a:r>
+            <a:r>
+              <a:rPr lang="en-US" altLang="zh-CN" dirty="0" err="1"/>
+              <a:t>xls</a:t>
+            </a:r>
+            <a:r>
+              <a:rPr lang="en-US" altLang="zh-CN" dirty="0"/>
+              <a:t>&gt;.</a:t>
+            </a:r>
+            <a:r>
+              <a:rPr lang="zh-CN" altLang="en-US" dirty="0"/>
+              <a:t>使用参标</a:t>
+            </a:r>
+            <a:r>
+              <a:rPr lang="en-US" altLang="zh-CN" dirty="0"/>
+              <a:t>.</a:t>
+            </a:r>
+            <a:r>
+              <a:rPr lang="en-US" altLang="zh-CN" dirty="0" err="1"/>
+              <a:t>xls</a:t>
+            </a:r>
+            <a:r>
+              <a:rPr lang="zh-CN" altLang="en-US" dirty="0"/>
+              <a:t>代替</a:t>
+            </a:r>
+            <a:r>
+              <a:rPr lang="en-US" altLang="zh-CN" dirty="0"/>
+              <a:t>reclist.xls</a:t>
+            </a:r>
+            <a:r>
+              <a:rPr lang="zh-CN" altLang="en-US" dirty="0"/>
+              <a:t>定义筛选功能。</a:t>
+            </a:r>
+          </a:p>
+        </p:txBody>
+      </p:sp>
+    </p:spTree>
+    <p:extLst>
+      <p:ext uri="{BB962C8B-B14F-4D97-AF65-F5344CB8AC3E}">
+        <p14:creationId xmlns:p14="http://schemas.microsoft.com/office/powerpoint/2010/main" val="3470480264"/>
+      </p:ext>
+    </p:extLst>
+  </p:cSld>
+  <p:clrMapOvr>
+    <a:masterClrMapping/>
+  </p:clrMapOvr>
+</p:sld>
+</file>
+
+<file path=ppt/slides/slide9.xml><?xml version="1.0" encoding="utf-8"?>
+<p:sld xmlns:a="http://schemas.openxmlformats.org/drawingml/2006/main" xmlns:r="http://schemas.openxmlformats.org/officeDocument/2006/relationships" xmlns:p="http://schemas.openxmlformats.org/presentationml/2006/main">
+  <p:cSld>
+    <p:spTree>
+      <p:nvGrpSpPr>
+        <p:cNvPr id="1" name=""/>
+        <p:cNvGrpSpPr/>
+        <p:nvPr/>
+      </p:nvGrpSpPr>
+      <p:grpSpPr>
+        <a:xfrm>
+          <a:off x="0" y="0"/>
+          <a:ext cx="0" cy="0"/>
+          <a:chOff x="0" y="0"/>
+          <a:chExt cx="0" cy="0"/>
+        </a:xfrm>
+      </p:grpSpPr>
+      <p:sp>
+        <p:nvSpPr>
+          <p:cNvPr id="2" name="标题 1">
+            <a:extLst>
+              <a:ext uri="{FF2B5EF4-FFF2-40B4-BE49-F238E27FC236}">
+                <a16:creationId xmlns:a16="http://schemas.microsoft.com/office/drawing/2014/main" id="{907A9462-FC1C-4D2F-86E1-D572565409D1}"/>
+              </a:ext>
+            </a:extLst>
+          </p:cNvPr>
+          <p:cNvSpPr>
+            <a:spLocks noGrp="1"/>
+          </p:cNvSpPr>
+          <p:nvPr>
+            <p:ph type="title"/>
+          </p:nvPr>
+        </p:nvSpPr>
+        <p:spPr/>
+        <p:txBody>
+          <a:bodyPr/>
+          <a:lstStyle/>
+          <a:p>
+            <a:r>
+              <a:rPr lang="en-US" altLang="zh-CN" dirty="0" err="1"/>
+              <a:t>Patch_ex.cfg</a:t>
+            </a:r>
+            <a:r>
+              <a:rPr lang="zh-CN" altLang="en-US" dirty="0"/>
+              <a:t>来源</a:t>
+            </a:r>
+          </a:p>
+        </p:txBody>
+      </p:sp>
+      <p:sp>
+        <p:nvSpPr>
+          <p:cNvPr id="3" name="内容占位符 2">
+            <a:extLst>
+              <a:ext uri="{FF2B5EF4-FFF2-40B4-BE49-F238E27FC236}">
+                <a16:creationId xmlns:a16="http://schemas.microsoft.com/office/drawing/2014/main" id="{C3D64CF3-CC10-4689-8814-D1819F189533}"/>
+              </a:ext>
+            </a:extLst>
+          </p:cNvPr>
+          <p:cNvSpPr>
+            <a:spLocks noGrp="1"/>
+          </p:cNvSpPr>
+          <p:nvPr>
+            <p:ph idx="1"/>
+          </p:nvPr>
+        </p:nvSpPr>
+        <p:spPr/>
+        <p:txBody>
+          <a:bodyPr/>
+          <a:lstStyle/>
+          <a:p>
+            <a:r>
+              <a:rPr lang="en-US" altLang="zh-CN" dirty="0"/>
+              <a:t>1.</a:t>
+            </a:r>
+            <a:r>
+              <a:rPr lang="zh-CN" altLang="en-US" dirty="0"/>
+              <a:t>自定义</a:t>
+            </a:r>
+            <a:r>
+              <a:rPr lang="en-US" altLang="zh-CN" dirty="0"/>
+              <a:t>_</a:t>
+            </a:r>
+            <a:r>
+              <a:rPr lang="zh-CN" altLang="en-US" dirty="0"/>
+              <a:t>初配数据文件</a:t>
+            </a:r>
+            <a:r>
+              <a:rPr lang="en-US" altLang="zh-CN" dirty="0"/>
+              <a:t>_ENB_xxx.xls</a:t>
+            </a:r>
+          </a:p>
+          <a:p>
+            <a:r>
+              <a:rPr lang="en-US" altLang="zh-CN" dirty="0"/>
+              <a:t>5G </a:t>
+            </a:r>
+            <a:r>
+              <a:rPr lang="zh-CN" altLang="en-US"/>
+              <a:t>变化，待定。</a:t>
+            </a:r>
+            <a:endParaRPr lang="en-US" altLang="zh-CN" dirty="0"/>
+          </a:p>
+          <a:p>
+            <a:endParaRPr lang="zh-CN" altLang="en-US" dirty="0"/>
+          </a:p>
+        </p:txBody>
+      </p:sp>
+    </p:spTree>
+    <p:extLst>
+      <p:ext uri="{BB962C8B-B14F-4D97-AF65-F5344CB8AC3E}">
+        <p14:creationId xmlns:p14="http://schemas.microsoft.com/office/powerpoint/2010/main" val="3559357259"/>
       </p:ext>
     </p:extLst>
   </p:cSld>

--- a/Doc/参考文档/生成cfg相关文档/转化过程总结 ： cfg 转化过程.pptx
+++ b/Doc/参考文档/生成cfg相关文档/转化过程总结 ： cfg 转化过程.pptx
@@ -314,7 +314,7 @@
           <a:p>
             <a:fld id="{530820CF-B880-4189-942D-D702A7CBA730}" type="datetimeFigureOut">
               <a:rPr lang="zh-CN" altLang="en-US" smtClean="0"/>
-              <a:t>2018/10/16</a:t>
+              <a:t>2018/10/17</a:t>
             </a:fld>
             <a:endParaRPr lang="zh-CN" altLang="en-US"/>
           </a:p>
@@ -477,7 +477,7 @@
           <a:p>
             <a:fld id="{530820CF-B880-4189-942D-D702A7CBA730}" type="datetimeFigureOut">
               <a:rPr lang="zh-CN" altLang="en-US" smtClean="0"/>
-              <a:t>2018/10/16</a:t>
+              <a:t>2018/10/17</a:t>
             </a:fld>
             <a:endParaRPr lang="zh-CN" altLang="en-US"/>
           </a:p>
@@ -650,7 +650,7 @@
           <a:p>
             <a:fld id="{530820CF-B880-4189-942D-D702A7CBA730}" type="datetimeFigureOut">
               <a:rPr lang="zh-CN" altLang="en-US" smtClean="0"/>
-              <a:t>2018/10/16</a:t>
+              <a:t>2018/10/17</a:t>
             </a:fld>
             <a:endParaRPr lang="zh-CN" altLang="en-US"/>
           </a:p>
@@ -813,7 +813,7 @@
           <a:p>
             <a:fld id="{530820CF-B880-4189-942D-D702A7CBA730}" type="datetimeFigureOut">
               <a:rPr lang="zh-CN" altLang="en-US" smtClean="0"/>
-              <a:t>2018/10/16</a:t>
+              <a:t>2018/10/17</a:t>
             </a:fld>
             <a:endParaRPr lang="zh-CN" altLang="en-US"/>
           </a:p>
@@ -1053,7 +1053,7 @@
           <a:p>
             <a:fld id="{530820CF-B880-4189-942D-D702A7CBA730}" type="datetimeFigureOut">
               <a:rPr lang="zh-CN" altLang="en-US" smtClean="0"/>
-              <a:t>2018/10/16</a:t>
+              <a:t>2018/10/17</a:t>
             </a:fld>
             <a:endParaRPr lang="zh-CN" altLang="en-US"/>
           </a:p>
@@ -1333,7 +1333,7 @@
           <a:p>
             <a:fld id="{530820CF-B880-4189-942D-D702A7CBA730}" type="datetimeFigureOut">
               <a:rPr lang="zh-CN" altLang="en-US" smtClean="0"/>
-              <a:t>2018/10/16</a:t>
+              <a:t>2018/10/17</a:t>
             </a:fld>
             <a:endParaRPr lang="zh-CN" altLang="en-US"/>
           </a:p>
@@ -1747,7 +1747,7 @@
           <a:p>
             <a:fld id="{530820CF-B880-4189-942D-D702A7CBA730}" type="datetimeFigureOut">
               <a:rPr lang="zh-CN" altLang="en-US" smtClean="0"/>
-              <a:t>2018/10/16</a:t>
+              <a:t>2018/10/17</a:t>
             </a:fld>
             <a:endParaRPr lang="zh-CN" altLang="en-US"/>
           </a:p>
@@ -1859,7 +1859,7 @@
           <a:p>
             <a:fld id="{530820CF-B880-4189-942D-D702A7CBA730}" type="datetimeFigureOut">
               <a:rPr lang="zh-CN" altLang="en-US" smtClean="0"/>
-              <a:t>2018/10/16</a:t>
+              <a:t>2018/10/17</a:t>
             </a:fld>
             <a:endParaRPr lang="zh-CN" altLang="en-US"/>
           </a:p>
@@ -1949,7 +1949,7 @@
           <a:p>
             <a:fld id="{530820CF-B880-4189-942D-D702A7CBA730}" type="datetimeFigureOut">
               <a:rPr lang="zh-CN" altLang="en-US" smtClean="0"/>
-              <a:t>2018/10/16</a:t>
+              <a:t>2018/10/17</a:t>
             </a:fld>
             <a:endParaRPr lang="zh-CN" altLang="en-US"/>
           </a:p>
@@ -2219,7 +2219,7 @@
           <a:p>
             <a:fld id="{530820CF-B880-4189-942D-D702A7CBA730}" type="datetimeFigureOut">
               <a:rPr lang="zh-CN" altLang="en-US" smtClean="0"/>
-              <a:t>2018/10/16</a:t>
+              <a:t>2018/10/17</a:t>
             </a:fld>
             <a:endParaRPr lang="zh-CN" altLang="en-US"/>
           </a:p>
@@ -2466,7 +2466,7 @@
           <a:p>
             <a:fld id="{530820CF-B880-4189-942D-D702A7CBA730}" type="datetimeFigureOut">
               <a:rPr lang="zh-CN" altLang="en-US" smtClean="0"/>
-              <a:t>2018/10/16</a:t>
+              <a:t>2018/10/17</a:t>
             </a:fld>
             <a:endParaRPr lang="zh-CN" altLang="en-US"/>
           </a:p>
@@ -2672,7 +2672,7 @@
           <a:p>
             <a:fld id="{530820CF-B880-4189-942D-D702A7CBA730}" type="datetimeFigureOut">
               <a:rPr lang="zh-CN" altLang="en-US" smtClean="0"/>
-              <a:t>2018/10/16</a:t>
+              <a:t>2018/10/17</a:t>
             </a:fld>
             <a:endParaRPr lang="zh-CN" altLang="en-US"/>
           </a:p>
@@ -3941,13 +3941,7 @@
           <a:p>
             <a:r>
               <a:rPr lang="en-US" altLang="zh-CN" dirty="0"/>
-              <a:t>"data\\LMTAlarm.mdb");</a:t>
-            </a:r>
-          </a:p>
-          <a:p>
-            <a:r>
-              <a:rPr lang="en-US" altLang="zh-CN" dirty="0"/>
-              <a:t>Sheet =“</a:t>
+              <a:t>"data\\template\\LMTDBENODEB70.mdb"); Sheet =“</a:t>
             </a:r>
             <a:r>
               <a:rPr lang="zh-CN" altLang="en-US" dirty="0"/>

--- a/Doc/参考文档/生成cfg相关文档/转化过程总结 ： cfg 转化过程.pptx
+++ b/Doc/参考文档/生成cfg相关文档/转化过程总结 ： cfg 转化过程.pptx
@@ -17,7 +17,8 @@
     <p:sldId id="265" r:id="rId11"/>
     <p:sldId id="266" r:id="rId12"/>
     <p:sldId id="267" r:id="rId13"/>
-    <p:sldId id="268" r:id="rId14"/>
+    <p:sldId id="269" r:id="rId14"/>
+    <p:sldId id="268" r:id="rId15"/>
   </p:sldIdLst>
   <p:sldSz cx="9144000" cy="6858000" type="screen4x3"/>
   <p:notesSz cx="6858000" cy="9144000"/>
@@ -3568,61 +3569,9 @@
         </p:spPr>
         <p:txBody>
           <a:bodyPr>
-            <a:normAutofit fontScale="77500" lnSpcReduction="20000"/>
+            <a:normAutofit lnSpcReduction="10000"/>
           </a:bodyPr>
           <a:lstStyle/>
-          <a:p>
-            <a:r>
-              <a:rPr lang="en-US" altLang="zh-CN" dirty="0"/>
-              <a:t>//</a:t>
-            </a:r>
-            <a:r>
-              <a:rPr lang="zh-CN" altLang="en-US" dirty="0"/>
-              <a:t>器件库表 </a:t>
-            </a:r>
-            <a:r>
-              <a:rPr lang="en-US" altLang="zh-CN" dirty="0"/>
-              <a:t>MIB</a:t>
-            </a:r>
-          </a:p>
-          <a:p>
-            <a:r>
-              <a:rPr lang="en-US" altLang="zh-CN" dirty="0"/>
-              <a:t>"</a:t>
-            </a:r>
-            <a:r>
-              <a:rPr lang="en-US" altLang="zh-CN" dirty="0" err="1"/>
-              <a:t>antennaArrayTypeEntry</a:t>
-            </a:r>
-            <a:r>
-              <a:rPr lang="en-US" altLang="zh-CN" dirty="0"/>
-              <a:t>"    : </a:t>
-            </a:r>
-          </a:p>
-          <a:p>
-            <a:r>
-              <a:rPr lang="zh-CN" altLang="en-US" dirty="0"/>
-              <a:t>创建配置文件时器件库表下天线阵类型表不做动态表处理，记录设为空 ，不用 </a:t>
-            </a:r>
-            <a:r>
-              <a:rPr lang="en-US" altLang="zh-CN" dirty="0"/>
-              <a:t>"select  * from </a:t>
-            </a:r>
-            <a:r>
-              <a:rPr lang="en-US" altLang="zh-CN" dirty="0" err="1"/>
-              <a:t>antennaArrayType</a:t>
-            </a:r>
-            <a:r>
-              <a:rPr lang="en-US" altLang="zh-CN" dirty="0"/>
-              <a:t>"</a:t>
-            </a:r>
-          </a:p>
-          <a:p>
-            <a:pPr marL="0" indent="0">
-              <a:buNone/>
-            </a:pPr>
-            <a:endParaRPr lang="en-US" altLang="zh-CN" dirty="0"/>
-          </a:p>
           <a:p>
             <a:r>
               <a:rPr lang="en-US" altLang="zh-CN" dirty="0"/>
@@ -3771,6 +3720,133 @@
 </file>
 
 <file path=ppt/slides/slide13.xml><?xml version="1.0" encoding="utf-8"?>
+<p:sld xmlns:a="http://schemas.openxmlformats.org/drawingml/2006/main" xmlns:r="http://schemas.openxmlformats.org/officeDocument/2006/relationships" xmlns:p="http://schemas.openxmlformats.org/presentationml/2006/main">
+  <p:cSld>
+    <p:spTree>
+      <p:nvGrpSpPr>
+        <p:cNvPr id="1" name=""/>
+        <p:cNvGrpSpPr/>
+        <p:nvPr/>
+      </p:nvGrpSpPr>
+      <p:grpSpPr>
+        <a:xfrm>
+          <a:off x="0" y="0"/>
+          <a:ext cx="0" cy="0"/>
+          <a:chOff x="0" y="0"/>
+          <a:chExt cx="0" cy="0"/>
+        </a:xfrm>
+      </p:grpSpPr>
+      <p:sp>
+        <p:nvSpPr>
+          <p:cNvPr id="2" name="标题 1">
+            <a:extLst>
+              <a:ext uri="{FF2B5EF4-FFF2-40B4-BE49-F238E27FC236}">
+                <a16:creationId xmlns:a16="http://schemas.microsoft.com/office/drawing/2014/main" id="{BBC39109-E57F-4364-BE08-A71AB82428AD}"/>
+              </a:ext>
+            </a:extLst>
+          </p:cNvPr>
+          <p:cNvSpPr>
+            <a:spLocks noGrp="1"/>
+          </p:cNvSpPr>
+          <p:nvPr>
+            <p:ph type="title"/>
+          </p:nvPr>
+        </p:nvSpPr>
+        <p:spPr/>
+        <p:txBody>
+          <a:bodyPr/>
+          <a:lstStyle/>
+          <a:p>
+            <a:r>
+              <a:rPr lang="zh-CN" altLang="en-US" dirty="0"/>
+              <a:t>天线阵</a:t>
+            </a:r>
+          </a:p>
+        </p:txBody>
+      </p:sp>
+      <p:sp>
+        <p:nvSpPr>
+          <p:cNvPr id="3" name="内容占位符 2">
+            <a:extLst>
+              <a:ext uri="{FF2B5EF4-FFF2-40B4-BE49-F238E27FC236}">
+                <a16:creationId xmlns:a16="http://schemas.microsoft.com/office/drawing/2014/main" id="{3F740C8A-3B44-47B7-91D0-89899DCECB4E}"/>
+              </a:ext>
+            </a:extLst>
+          </p:cNvPr>
+          <p:cNvSpPr>
+            <a:spLocks noGrp="1"/>
+          </p:cNvSpPr>
+          <p:nvPr>
+            <p:ph idx="1"/>
+          </p:nvPr>
+        </p:nvSpPr>
+        <p:spPr/>
+        <p:txBody>
+          <a:bodyPr>
+            <a:normAutofit/>
+          </a:bodyPr>
+          <a:lstStyle/>
+          <a:p>
+            <a:r>
+              <a:rPr lang="en-US" altLang="zh-CN" dirty="0"/>
+              <a:t>"</a:t>
+            </a:r>
+            <a:r>
+              <a:rPr lang="en-US" altLang="zh-CN" dirty="0" err="1"/>
+              <a:t>antennaArrayTypeEntry</a:t>
+            </a:r>
+            <a:r>
+              <a:rPr lang="en-US" altLang="zh-CN" dirty="0"/>
+              <a:t>"    : </a:t>
+            </a:r>
+          </a:p>
+          <a:p>
+            <a:r>
+              <a:rPr lang="zh-CN" altLang="en-US" dirty="0"/>
+              <a:t>创建配置文件时器件库表下天线阵类型表不做动态表处理，记录设为空 ，不用 </a:t>
+            </a:r>
+            <a:r>
+              <a:rPr lang="en-US" altLang="zh-CN" dirty="0"/>
+              <a:t>"select  * from </a:t>
+            </a:r>
+            <a:r>
+              <a:rPr lang="en-US" altLang="zh-CN" dirty="0" err="1"/>
+              <a:t>antennaArrayType</a:t>
+            </a:r>
+            <a:r>
+              <a:rPr lang="en-US" altLang="zh-CN" dirty="0"/>
+              <a:t>“</a:t>
+            </a:r>
+          </a:p>
+          <a:p>
+            <a:endParaRPr lang="en-US" altLang="zh-CN" dirty="0"/>
+          </a:p>
+          <a:p>
+            <a:pPr marL="0" indent="0">
+              <a:buNone/>
+            </a:pPr>
+            <a:r>
+              <a:rPr lang="zh-CN" altLang="en-US"/>
+              <a:t>使用。。。</a:t>
+            </a:r>
+            <a:endParaRPr lang="zh-CN" altLang="en-US" dirty="0"/>
+          </a:p>
+        </p:txBody>
+      </p:sp>
+    </p:spTree>
+    <p:extLst>
+      <p:ext uri="{BB962C8B-B14F-4D97-AF65-F5344CB8AC3E}">
+        <p14:creationId xmlns:p14="http://schemas.microsoft.com/office/powerpoint/2010/main" val="225373687"/>
+      </p:ext>
+    </p:extLst>
+  </p:cSld>
+  <p:clrMapOvr>
+    <a:masterClrMapping/>
+  </p:clrMapOvr>
+</p:sld>
+</file>
+
+<file path=ppt/slides/slide14.xml><?xml version="1.0" encoding="utf-8"?>
 <p:sld xmlns:a="http://schemas.openxmlformats.org/drawingml/2006/main" xmlns:r="http://schemas.openxmlformats.org/officeDocument/2006/relationships" xmlns:p="http://schemas.openxmlformats.org/presentationml/2006/main">
   <p:cSld>
     <p:spTree>
